--- a/Presentation1.pptx
+++ b/Presentation1.pptx
@@ -4092,16 +4092,13 @@
       <p:cxnSp>
         <p:nvCxnSpPr>
           <p:cNvPr id="42" name="Straight Arrow Connector 41"/>
-          <p:cNvCxnSpPr>
-            <a:stCxn id="30" idx="0"/>
-            <a:endCxn id="28" idx="1"/>
-          </p:cNvCxnSpPr>
+          <p:cNvCxnSpPr/>
           <p:nvPr/>
         </p:nvCxnSpPr>
         <p:spPr>
           <a:xfrm flipV="1">
-            <a:off x="9848850" y="889000"/>
-            <a:ext cx="521970" cy="629920"/>
+            <a:off x="9843770" y="889000"/>
+            <a:ext cx="518795" cy="503555"/>
           </a:xfrm>
           <a:prstGeom prst="straightConnector1">
             <a:avLst/>
@@ -4135,14 +4132,13 @@
           <p:cNvPr id="43" name="Straight Arrow Connector 42"/>
           <p:cNvCxnSpPr>
             <a:stCxn id="30" idx="0"/>
-            <a:endCxn id="26" idx="1"/>
           </p:cNvCxnSpPr>
           <p:nvPr/>
         </p:nvCxnSpPr>
         <p:spPr>
           <a:xfrm>
             <a:off x="9848850" y="1518920"/>
-            <a:ext cx="521970" cy="272415"/>
+            <a:ext cx="525145" cy="272415"/>
           </a:xfrm>
           <a:prstGeom prst="straightConnector1">
             <a:avLst/>
@@ -4785,10 +4781,8 @@
           <a:p>
             <a:pPr algn="ctr"/>
             <a:r>
-              <a:rPr lang="fr-FR" altLang="en-GB" dirty="0">
-                <a:sym typeface="+mn-ea"/>
-              </a:rPr>
-              <a:t>Python</a:t>
+              <a:rPr lang="fr-FR" altLang="en-GB" dirty="0"/>
+              <a:t>Html</a:t>
             </a:r>
             <a:endParaRPr lang="fr-FR" altLang="en-GB" dirty="0"/>
           </a:p>
@@ -4808,7 +4802,7 @@
               <a:rPr lang="fr-FR" altLang="en-GB" dirty="0">
                 <a:sym typeface="+mn-ea"/>
               </a:rPr>
-              <a:t>Html / CSS</a:t>
+              <a:t>CSS</a:t>
             </a:r>
             <a:endParaRPr lang="fr-FR" altLang="en-GB" dirty="0">
               <a:sym typeface="+mn-ea"/>
@@ -4909,6 +4903,115 @@
           </a:p>
         </p:txBody>
       </p:sp>
+      <p:sp>
+        <p:nvSpPr>
+          <p:cNvPr id="2" name="Round Diagonal Corner Rectangle 1"/>
+          <p:cNvSpPr/>
+          <p:nvPr/>
+        </p:nvSpPr>
+        <p:spPr>
+          <a:xfrm>
+            <a:off x="10370820" y="2468245"/>
+            <a:ext cx="1526540" cy="514350"/>
+          </a:xfrm>
+          <a:prstGeom prst="round2DiagRect">
+            <a:avLst/>
+          </a:prstGeom>
+          <a:ln>
+            <a:solidFill>
+              <a:schemeClr val="tx1"/>
+            </a:solidFill>
+          </a:ln>
+        </p:spPr>
+        <p:style>
+          <a:lnRef idx="2">
+            <a:schemeClr val="accent6"/>
+          </a:lnRef>
+          <a:fillRef idx="1">
+            <a:schemeClr val="lt1"/>
+          </a:fillRef>
+          <a:effectRef idx="0">
+            <a:schemeClr val="accent6"/>
+          </a:effectRef>
+          <a:fontRef idx="minor">
+            <a:schemeClr val="dk1"/>
+          </a:fontRef>
+        </p:style>
+        <p:txBody>
+          <a:bodyPr rtlCol="0" anchor="ctr"/>
+          <a:p>
+            <a:pPr algn="ctr"/>
+            <a:endParaRPr lang="en-GB" altLang="en-US"/>
+          </a:p>
+        </p:txBody>
+      </p:sp>
+      <p:sp>
+        <p:nvSpPr>
+          <p:cNvPr id="3" name="Text Box 2"/>
+          <p:cNvSpPr txBox="1"/>
+          <p:nvPr/>
+        </p:nvSpPr>
+        <p:spPr>
+          <a:xfrm>
+            <a:off x="10370820" y="2541270"/>
+            <a:ext cx="1526540" cy="368300"/>
+          </a:xfrm>
+          <a:prstGeom prst="rect">
+            <a:avLst/>
+          </a:prstGeom>
+          <a:noFill/>
+        </p:spPr>
+        <p:txBody>
+          <a:bodyPr wrap="square" rtlCol="0">
+            <a:spAutoFit/>
+          </a:bodyPr>
+          <a:p>
+            <a:r>
+              <a:rPr lang="fr-FR" altLang="en-GB"/>
+              <a:t>capteur 3</a:t>
+            </a:r>
+            <a:endParaRPr lang="fr-FR" altLang="en-GB"/>
+          </a:p>
+        </p:txBody>
+      </p:sp>
+      <p:cxnSp>
+        <p:nvCxnSpPr>
+          <p:cNvPr id="10" name="Straight Arrow Connector 9"/>
+          <p:cNvCxnSpPr/>
+          <p:nvPr/>
+        </p:nvCxnSpPr>
+        <p:spPr>
+          <a:xfrm>
+            <a:off x="9852025" y="1651635"/>
+            <a:ext cx="518795" cy="1089025"/>
+          </a:xfrm>
+          <a:prstGeom prst="straightConnector1">
+            <a:avLst/>
+          </a:prstGeom>
+          <a:ln w="19050">
+            <a:solidFill>
+              <a:schemeClr val="tx1"/>
+            </a:solidFill>
+            <a:prstDash val="dash"/>
+            <a:headEnd type="arrow"/>
+            <a:tailEnd type="arrow"/>
+          </a:ln>
+        </p:spPr>
+        <p:style>
+          <a:lnRef idx="1">
+            <a:schemeClr val="accent1"/>
+          </a:lnRef>
+          <a:fillRef idx="0">
+            <a:schemeClr val="accent1"/>
+          </a:fillRef>
+          <a:effectRef idx="0">
+            <a:schemeClr val="accent1"/>
+          </a:effectRef>
+          <a:fontRef idx="minor">
+            <a:schemeClr val="tx1"/>
+          </a:fontRef>
+        </p:style>
+      </p:cxnSp>
     </p:spTree>
   </p:cSld>
   <p:clrMapOvr>

--- a/Presentation1.pptx
+++ b/Presentation1.pptx
@@ -4850,8 +4850,8 @@
         </p:nvSpPr>
         <p:spPr>
           <a:xfrm>
-            <a:off x="6052484" y="2125195"/>
-            <a:ext cx="1313180" cy="1200329"/>
+            <a:off x="6051849" y="2541120"/>
+            <a:ext cx="1313180" cy="916940"/>
           </a:xfrm>
           <a:prstGeom prst="rect">
             <a:avLst/>
@@ -4865,24 +4865,6 @@
           <a:lstStyle/>
           <a:p>
             <a:pPr algn="ctr"/>
-            <a:r>
-              <a:rPr lang="fr-FR" altLang="en-GB" dirty="0" smtClean="0">
-                <a:sym typeface="+mn-ea"/>
-              </a:rPr>
-              <a:t>Algorithmes</a:t>
-            </a:r>
-            <a:endParaRPr lang="fr-FR" altLang="en-GB" dirty="0" smtClean="0">
-              <a:sym typeface="+mn-ea"/>
-            </a:endParaRPr>
-          </a:p>
-          <a:p>
-            <a:pPr algn="ctr"/>
-            <a:r>
-              <a:rPr lang="fr-FR" altLang="en-GB" dirty="0" smtClean="0">
-                <a:sym typeface="+mn-ea"/>
-              </a:rPr>
-              <a:t>+</a:t>
-            </a:r>
             <a:endParaRPr lang="fr-FR" altLang="en-GB" dirty="0" smtClean="0">
               <a:sym typeface="+mn-ea"/>
             </a:endParaRPr>
